--- a/vng-ip/NewIP/docs/Design/NewIP - Request Processing.pptx
+++ b/vng-ip/NewIP/docs/Design/NewIP - Request Processing.pptx
@@ -254,7 +254,7 @@
               <a:pPr>
                 <a:defRPr/>
               </a:pPr>
-              <a:t>2/23/2011</a:t>
+              <a:t>3/2/2011</a:t>
             </a:fld>
             <a:endParaRPr lang="en-US"/>
           </a:p>
@@ -456,7 +456,7 @@
               <a:pPr>
                 <a:defRPr/>
               </a:pPr>
-              <a:t>2/23/2011</a:t>
+              <a:t>3/2/2011</a:t>
             </a:fld>
             <a:endParaRPr lang="en-US"/>
           </a:p>
@@ -2412,7 +2412,7 @@
               <a:pPr>
                 <a:defRPr/>
               </a:pPr>
-              <a:t>23 February 2011</a:t>
+              <a:t>2 March 2011</a:t>
             </a:fld>
             <a:endParaRPr lang="en-US" dirty="0"/>
           </a:p>
@@ -2590,7 +2590,7 @@
               <a:pPr>
                 <a:defRPr/>
               </a:pPr>
-              <a:t>23 February 2011</a:t>
+              <a:t>2 March 2011</a:t>
             </a:fld>
             <a:endParaRPr lang="en-US" dirty="0"/>
           </a:p>
@@ -2778,7 +2778,7 @@
               <a:pPr>
                 <a:defRPr/>
               </a:pPr>
-              <a:t>23 February 2011</a:t>
+              <a:t>2 March 2011</a:t>
             </a:fld>
             <a:endParaRPr lang="en-US" dirty="0"/>
           </a:p>
@@ -3022,7 +3022,7 @@
               <a:pPr>
                 <a:defRPr/>
               </a:pPr>
-              <a:t>23 February 2011</a:t>
+              <a:t>2 March 2011</a:t>
             </a:fld>
             <a:endParaRPr lang="en-US"/>
           </a:p>
@@ -3214,7 +3214,7 @@
               <a:pPr>
                 <a:defRPr/>
               </a:pPr>
-              <a:t>23 February 2011</a:t>
+              <a:t>2 March 2011</a:t>
             </a:fld>
             <a:endParaRPr lang="en-US"/>
           </a:p>
@@ -3482,7 +3482,7 @@
               <a:pPr>
                 <a:defRPr/>
               </a:pPr>
-              <a:t>23 February 2011</a:t>
+              <a:t>2 March 2011</a:t>
             </a:fld>
             <a:endParaRPr lang="en-US"/>
           </a:p>
@@ -3792,7 +3792,7 @@
               <a:pPr>
                 <a:defRPr/>
               </a:pPr>
-              <a:t>23 February 2011</a:t>
+              <a:t>2 March 2011</a:t>
             </a:fld>
             <a:endParaRPr lang="en-US"/>
           </a:p>
@@ -4236,7 +4236,7 @@
               <a:pPr>
                 <a:defRPr/>
               </a:pPr>
-              <a:t>23 February 2011</a:t>
+              <a:t>2 March 2011</a:t>
             </a:fld>
             <a:endParaRPr lang="en-US"/>
           </a:p>
@@ -4376,7 +4376,7 @@
               <a:pPr>
                 <a:defRPr/>
               </a:pPr>
-              <a:t>23 February 2011</a:t>
+              <a:t>2 March 2011</a:t>
             </a:fld>
             <a:endParaRPr lang="en-US"/>
           </a:p>
@@ -4516,7 +4516,7 @@
               <a:pPr>
                 <a:defRPr/>
               </a:pPr>
-              <a:t>23 February 2011</a:t>
+              <a:t>2 March 2011</a:t>
             </a:fld>
             <a:endParaRPr lang="en-US" dirty="0"/>
           </a:p>
@@ -4613,7 +4613,7 @@
               <a:pPr>
                 <a:defRPr/>
               </a:pPr>
-              <a:t>23 February 2011</a:t>
+              <a:t>2 March 2011</a:t>
             </a:fld>
             <a:endParaRPr lang="en-US"/>
           </a:p>
@@ -4912,7 +4912,7 @@
               <a:pPr>
                 <a:defRPr/>
               </a:pPr>
-              <a:t>23 February 2011</a:t>
+              <a:t>2 March 2011</a:t>
             </a:fld>
             <a:endParaRPr lang="en-US"/>
           </a:p>
@@ -5193,7 +5193,7 @@
               <a:pPr>
                 <a:defRPr/>
               </a:pPr>
-              <a:t>23 February 2011</a:t>
+              <a:t>2 March 2011</a:t>
             </a:fld>
             <a:endParaRPr lang="en-US"/>
           </a:p>
@@ -5385,7 +5385,7 @@
               <a:pPr>
                 <a:defRPr/>
               </a:pPr>
-              <a:t>23 February 2011</a:t>
+              <a:t>2 March 2011</a:t>
             </a:fld>
             <a:endParaRPr lang="en-US"/>
           </a:p>
@@ -5587,7 +5587,7 @@
               <a:pPr>
                 <a:defRPr/>
               </a:pPr>
-              <a:t>23 February 2011</a:t>
+              <a:t>2 March 2011</a:t>
             </a:fld>
             <a:endParaRPr lang="en-US"/>
           </a:p>
@@ -5727,7 +5727,7 @@
               <a:pPr>
                 <a:defRPr/>
               </a:pPr>
-              <a:t>23 February 2011</a:t>
+              <a:t>2 March 2011</a:t>
             </a:fld>
             <a:endParaRPr lang="en-US"/>
           </a:p>
@@ -5991,7 +5991,7 @@
               <a:pPr>
                 <a:defRPr/>
               </a:pPr>
-              <a:t>23 February 2011</a:t>
+              <a:t>2 March 2011</a:t>
             </a:fld>
             <a:endParaRPr lang="en-US"/>
           </a:p>
@@ -6183,7 +6183,7 @@
               <a:pPr>
                 <a:defRPr/>
               </a:pPr>
-              <a:t>23 February 2011</a:t>
+              <a:t>2 March 2011</a:t>
             </a:fld>
             <a:endParaRPr lang="en-US"/>
           </a:p>
@@ -6451,7 +6451,7 @@
               <a:pPr>
                 <a:defRPr/>
               </a:pPr>
-              <a:t>23 February 2011</a:t>
+              <a:t>2 March 2011</a:t>
             </a:fld>
             <a:endParaRPr lang="en-US"/>
           </a:p>
@@ -6761,7 +6761,7 @@
               <a:pPr>
                 <a:defRPr/>
               </a:pPr>
-              <a:t>23 February 2011</a:t>
+              <a:t>2 March 2011</a:t>
             </a:fld>
             <a:endParaRPr lang="en-US"/>
           </a:p>
@@ -6991,7 +6991,7 @@
               <a:pPr>
                 <a:defRPr/>
               </a:pPr>
-              <a:t>23 February 2011</a:t>
+              <a:t>2 March 2011</a:t>
             </a:fld>
             <a:endParaRPr lang="en-US" dirty="0"/>
           </a:p>
@@ -7415,7 +7415,7 @@
               <a:pPr>
                 <a:defRPr/>
               </a:pPr>
-              <a:t>23 February 2011</a:t>
+              <a:t>2 March 2011</a:t>
             </a:fld>
             <a:endParaRPr lang="en-US"/>
           </a:p>
@@ -7555,7 +7555,7 @@
               <a:pPr>
                 <a:defRPr/>
               </a:pPr>
-              <a:t>23 February 2011</a:t>
+              <a:t>2 March 2011</a:t>
             </a:fld>
             <a:endParaRPr lang="en-US"/>
           </a:p>
@@ -7672,7 +7672,7 @@
               <a:pPr>
                 <a:defRPr/>
               </a:pPr>
-              <a:t>23 February 2011</a:t>
+              <a:t>2 March 2011</a:t>
             </a:fld>
             <a:endParaRPr lang="en-US"/>
           </a:p>
@@ -7971,7 +7971,7 @@
               <a:pPr>
                 <a:defRPr/>
               </a:pPr>
-              <a:t>23 February 2011</a:t>
+              <a:t>2 March 2011</a:t>
             </a:fld>
             <a:endParaRPr lang="en-US"/>
           </a:p>
@@ -8252,7 +8252,7 @@
               <a:pPr>
                 <a:defRPr/>
               </a:pPr>
-              <a:t>23 February 2011</a:t>
+              <a:t>2 March 2011</a:t>
             </a:fld>
             <a:endParaRPr lang="en-US"/>
           </a:p>
@@ -8914,7 +8914,7 @@
               <a:pPr>
                 <a:defRPr/>
               </a:pPr>
-              <a:t>23 February 2011</a:t>
+              <a:t>2 March 2011</a:t>
             </a:fld>
             <a:endParaRPr lang="en-US" dirty="0"/>
           </a:p>
@@ -9202,7 +9202,7 @@
               <a:pPr>
                 <a:defRPr/>
               </a:pPr>
-              <a:t>23 February 2011</a:t>
+              <a:t>2 March 2011</a:t>
             </a:fld>
             <a:endParaRPr lang="en-US" dirty="0"/>
           </a:p>
@@ -9498,7 +9498,7 @@
               <a:pPr>
                 <a:defRPr/>
               </a:pPr>
-              <a:t>23 February 2011</a:t>
+              <a:t>2 March 2011</a:t>
             </a:fld>
             <a:endParaRPr lang="en-US" dirty="0"/>
           </a:p>
@@ -9933,7 +9933,7 @@
               <a:pPr>
                 <a:defRPr/>
               </a:pPr>
-              <a:t>23 February 2011</a:t>
+              <a:t>2 March 2011</a:t>
             </a:fld>
             <a:endParaRPr lang="en-US" dirty="0"/>
           </a:p>
@@ -10059,7 +10059,7 @@
               <a:pPr>
                 <a:defRPr/>
               </a:pPr>
-              <a:t>23 February 2011</a:t>
+              <a:t>2 March 2011</a:t>
             </a:fld>
             <a:endParaRPr lang="en-US" dirty="0"/>
           </a:p>
@@ -10162,7 +10162,7 @@
               <a:pPr>
                 <a:defRPr/>
               </a:pPr>
-              <a:t>23 February 2011</a:t>
+              <a:t>2 March 2011</a:t>
             </a:fld>
             <a:endParaRPr lang="en-US" dirty="0"/>
           </a:p>
@@ -10467,7 +10467,7 @@
               <a:pPr>
                 <a:defRPr/>
               </a:pPr>
-              <a:t>23 February 2011</a:t>
+              <a:t>2 March 2011</a:t>
             </a:fld>
             <a:endParaRPr lang="en-US" dirty="0"/>
           </a:p>
@@ -11137,7 +11137,7 @@
               <a:pPr>
                 <a:defRPr/>
               </a:pPr>
-              <a:t>23 February 2011</a:t>
+              <a:t>2 March 2011</a:t>
             </a:fld>
             <a:endParaRPr lang="en-US"/>
           </a:p>
@@ -11811,7 +11811,7 @@
               <a:pPr>
                 <a:defRPr/>
               </a:pPr>
-              <a:t>23 February 2011</a:t>
+              <a:t>2 March 2011</a:t>
             </a:fld>
             <a:endParaRPr lang="en-US"/>
           </a:p>
@@ -12660,7 +12660,7 @@
               <a:pPr>
                 <a:defRPr/>
               </a:pPr>
-              <a:t>23 February 2011</a:t>
+              <a:t>2 March 2011</a:t>
             </a:fld>
             <a:endParaRPr lang="en-US" dirty="0"/>
           </a:p>
@@ -13442,10 +13442,6 @@
               </a:rPr>
               <a:t>);</a:t>
             </a:r>
-            <a:endParaRPr lang="en-US" sz="1800" dirty="0" smtClean="0">
-              <a:latin typeface="Courier New" pitchFamily="49" charset="0"/>
-              <a:cs typeface="Courier New" pitchFamily="49" charset="0"/>
-            </a:endParaRPr>
           </a:p>
         </p:txBody>
       </p:sp>
@@ -13895,7 +13891,6 @@
               <a:rPr lang="en-US" sz="2400" dirty="0" smtClean="0"/>
               <a:t>Handle requests via TCP socket</a:t>
             </a:r>
-            <a:endParaRPr lang="en-US" sz="2400" dirty="0" smtClean="0"/>
           </a:p>
           <a:p>
             <a:pPr marL="514350" indent="-514350"/>
@@ -14646,11 +14641,7 @@
             </a:r>
             <a:r>
               <a:rPr lang="en-US" sz="2000" dirty="0" smtClean="0"/>
-              <a:t> and log the </a:t>
-            </a:r>
-            <a:r>
-              <a:rPr lang="en-US" sz="2000" dirty="0" smtClean="0"/>
-              <a:t>request:</a:t>
+              <a:t> and log the request:</a:t>
             </a:r>
           </a:p>
           <a:p>
@@ -14679,6 +14670,14 @@
             </a:r>
           </a:p>
           <a:p>
+            <a:pPr marL="914400" lvl="1" indent="-514350"/>
+            <a:r>
+              <a:rPr lang="en-US" sz="1800" dirty="0" smtClean="0"/>
+              <a:t>Data: input sent from source, and output returned from destination</a:t>
+            </a:r>
+            <a:endParaRPr lang="en-US" sz="1800" dirty="0" smtClean="0"/>
+          </a:p>
+          <a:p>
             <a:pPr marL="514350" indent="-514350"/>
             <a:r>
               <a:rPr lang="en-US" sz="2400" dirty="0" smtClean="0"/>
@@ -14718,7 +14717,6 @@
               <a:rPr lang="en-US" sz="2400" dirty="0" smtClean="0"/>
               <a:t> should work asynchronously to avoid lengthening the response time</a:t>
             </a:r>
-            <a:endParaRPr lang="en-US" sz="2400" dirty="0" smtClean="0"/>
           </a:p>
           <a:p>
             <a:pPr marL="514350" indent="-514350"/>
@@ -14740,11 +14738,7 @@
             </a:r>
             <a:r>
               <a:rPr lang="en-US" sz="2400" i="1" dirty="0" smtClean="0"/>
-              <a:t> (</a:t>
-            </a:r>
-            <a:r>
-              <a:rPr lang="en-US" sz="2400" i="1" dirty="0" smtClean="0"/>
-              <a:t>db, file system, </a:t>
+              <a:t> (db, file system, </a:t>
             </a:r>
             <a:r>
               <a:rPr lang="en-US" sz="2400" i="1" dirty="0" err="1" smtClean="0"/>
@@ -14752,13 +14746,8 @@
             </a:r>
             <a:r>
               <a:rPr lang="en-US" sz="2400" i="1" dirty="0" smtClean="0"/>
-              <a:t>, etc) is not finalized at the </a:t>
-            </a:r>
-            <a:r>
-              <a:rPr lang="en-US" sz="2400" i="1" dirty="0" smtClean="0"/>
-              <a:t>moment!</a:t>
-            </a:r>
-            <a:endParaRPr lang="en-US" sz="2400" i="1" dirty="0" smtClean="0"/>
+              <a:t>, etc) is not finalized at the moment!</a:t>
+            </a:r>
           </a:p>
         </p:txBody>
       </p:sp>
@@ -14872,15 +14861,7 @@
             </a:r>
             <a:r>
               <a:rPr lang="en-US" sz="2000" dirty="0" smtClean="0"/>
-              <a:t> and Maintain </a:t>
-            </a:r>
-            <a:r>
-              <a:rPr lang="en-US" sz="2000" dirty="0" smtClean="0"/>
-              <a:t>system’s </a:t>
-            </a:r>
-            <a:r>
-              <a:rPr lang="en-US" sz="2000" dirty="0" smtClean="0"/>
-              <a:t>statistics (via </a:t>
+              <a:t> and Maintain system’s statistics (via </a:t>
             </a:r>
             <a:r>
               <a:rPr lang="en-US" sz="2000" dirty="0" err="1" smtClean="0"/>
@@ -14890,7 +14871,6 @@
               <a:rPr lang="en-US" sz="2000" dirty="0" smtClean="0"/>
               <a:t>):</a:t>
             </a:r>
-            <a:endParaRPr lang="en-US" sz="2000" dirty="0" smtClean="0"/>
           </a:p>
           <a:p>
             <a:pPr marL="914400" lvl="1" indent="-514350"/>
@@ -14948,7 +14928,6 @@
               <a:rPr lang="en-US" sz="1800" dirty="0" smtClean="0"/>
               <a:t>Request rate (# requests/last minute):</a:t>
             </a:r>
-            <a:endParaRPr lang="en-US" sz="1800" dirty="0" smtClean="0"/>
           </a:p>
           <a:p>
             <a:pPr marL="1314450" lvl="2" indent="-514350"/>
@@ -14990,13 +14969,8 @@
             <a:pPr marL="1771650" lvl="3" indent="-514350"/>
             <a:r>
               <a:rPr lang="en-US" sz="1400" dirty="0" smtClean="0"/>
-              <a:t>Per client: global &amp; </a:t>
-            </a:r>
-            <a:r>
-              <a:rPr lang="en-US" sz="1400" dirty="0" smtClean="0"/>
-              <a:t>local</a:t>
-            </a:r>
-            <a:endParaRPr lang="en-US" sz="1400" dirty="0" smtClean="0"/>
+              <a:t>Per client: global &amp; local</a:t>
+            </a:r>
           </a:p>
         </p:txBody>
       </p:sp>
@@ -15049,11 +15023,7 @@
           <a:p>
             <a:r>
               <a:rPr lang="en-US" dirty="0" smtClean="0"/>
-              <a:t>Statistics </a:t>
-            </a:r>
-            <a:r>
-              <a:rPr lang="en-US" dirty="0" smtClean="0"/>
-              <a:t>Filter (cont)</a:t>
+              <a:t>Statistics Filter (cont)</a:t>
             </a:r>
             <a:endParaRPr lang="en-US" dirty="0"/>
           </a:p>
@@ -15106,11 +15076,7 @@
             <a:pPr marL="914400" lvl="1" indent="-514350"/>
             <a:r>
               <a:rPr lang="en-US" sz="1800" dirty="0" smtClean="0"/>
-              <a:t>Error rate (# failed requests/last minute</a:t>
-            </a:r>
-            <a:r>
-              <a:rPr lang="en-US" sz="1800" dirty="0" smtClean="0"/>
-              <a:t>):</a:t>
+              <a:t>Error rate (# failed requests/last minute):</a:t>
             </a:r>
           </a:p>
           <a:p>
@@ -15153,11 +15119,7 @@
             <a:pPr marL="1771650" lvl="3" indent="-514350"/>
             <a:r>
               <a:rPr lang="en-US" sz="1400" dirty="0" smtClean="0"/>
-              <a:t>Per client: global &amp; </a:t>
-            </a:r>
-            <a:r>
-              <a:rPr lang="en-US" sz="1400" dirty="0" smtClean="0"/>
-              <a:t>local</a:t>
+              <a:t>Per client: global &amp; local</a:t>
             </a:r>
           </a:p>
           <a:p>
@@ -15181,7 +15143,6 @@
               <a:rPr lang="en-US" sz="2600" i="1" dirty="0" smtClean="0"/>
               <a:t> is not finalized at the moment!</a:t>
             </a:r>
-            <a:endParaRPr lang="en-US" sz="2600" i="1" dirty="0" smtClean="0"/>
           </a:p>
         </p:txBody>
       </p:sp>
@@ -15314,7 +15275,22 @@
             <a:pPr marL="914400" lvl="1" indent="-514350"/>
             <a:r>
               <a:rPr lang="en-US" sz="2000" dirty="0" smtClean="0"/>
-              <a:t>(currently only one rule is checked) Check if request rate from the client exceeds the threshold.</a:t>
+              <a:t>Check if client is allowed to access </a:t>
+            </a:r>
+            <a:r>
+              <a:rPr lang="en-US" sz="2000" smtClean="0"/>
+              <a:t>the service.</a:t>
+            </a:r>
+          </a:p>
+          <a:p>
+            <a:pPr marL="914400" lvl="1" indent="-514350"/>
+            <a:r>
+              <a:rPr lang="en-US" sz="2000" dirty="0" smtClean="0"/>
+              <a:t>Check </a:t>
+            </a:r>
+            <a:r>
+              <a:rPr lang="en-US" sz="2000" dirty="0" smtClean="0"/>
+              <a:t>if request rate from the client exceeds the threshold.</a:t>
             </a:r>
           </a:p>
           <a:p>
@@ -15338,7 +15314,6 @@
               <a:rPr lang="en-US" sz="2400" i="1" dirty="0" smtClean="0"/>
               <a:t> is not finalized at the moment!</a:t>
             </a:r>
-            <a:endParaRPr lang="en-US" sz="2400" i="1" dirty="0" smtClean="0"/>
           </a:p>
         </p:txBody>
       </p:sp>
@@ -17066,19 +17041,6 @@
 </file>
 
 <file path=customXml/item1.xml><?xml version="1.0" encoding="utf-8"?>
-<LongProperties xmlns="http://schemas.microsoft.com/office/2006/metadata/longProperties"/>
-</file>
-
-<file path=customXml/item2.xml><?xml version="1.0" encoding="utf-8"?>
-<?mso-contentType ?>
-<FormTemplates xmlns="http://schemas.microsoft.com/sharepoint/v3/contenttype/forms">
-  <Display>DocumentLibraryForm</Display>
-  <Edit>DocumentLibraryForm</Edit>
-  <New>DocumentLibraryForm</New>
-</FormTemplates>
-</file>
-
-<file path=customXml/item3.xml><?xml version="1.0" encoding="utf-8"?>
 <ct:contentTypeSchema xmlns:ct="http://schemas.microsoft.com/office/2006/metadata/contentType" xmlns:ma="http://schemas.microsoft.com/office/2006/metadata/properties/metaAttributes" ct:_="" ma:_="" ma:contentTypeName="Document" ma:contentTypeID="0x010100797E94D878EF7E4481CCE1736EE37636" ma:contentTypeVersion="0" ma:contentTypeDescription="Create a new document." ma:contentTypeScope="" ma:versionID="5c544f42153d6c39e9d590efc7b390ff">
   <xsd:schema xmlns:xsd="http://www.w3.org/2001/XMLSchema" xmlns:p="http://schemas.microsoft.com/office/2006/metadata/properties" targetNamespace="http://schemas.microsoft.com/office/2006/metadata/properties" ma:root="true" ma:fieldsID="4aeb20c0e3442673af7ee10786458764">
     <xsd:element name="properties">
@@ -17127,6 +17089,19 @@
 </ct:contentTypeSchema>
 </file>
 
+<file path=customXml/item2.xml><?xml version="1.0" encoding="utf-8"?>
+<?mso-contentType ?>
+<FormTemplates xmlns="http://schemas.microsoft.com/sharepoint/v3/contenttype/forms">
+  <Display>DocumentLibraryForm</Display>
+  <Edit>DocumentLibraryForm</Edit>
+  <New>DocumentLibraryForm</New>
+</FormTemplates>
+</file>
+
+<file path=customXml/item3.xml><?xml version="1.0" encoding="utf-8"?>
+<LongProperties xmlns="http://schemas.microsoft.com/office/2006/metadata/longProperties"/>
+</file>
+
 <file path=customXml/item4.xml><?xml version="1.0" encoding="utf-8"?>
 <p:properties xmlns:p="http://schemas.microsoft.com/office/2006/metadata/properties" xmlns:xsi="http://www.w3.org/2001/XMLSchema-instance">
   <documentManagement/>
@@ -17134,22 +17109,6 @@
 </file>
 
 <file path=customXml/itemProps1.xml><?xml version="1.0" encoding="utf-8"?>
-<ds:datastoreItem xmlns:ds="http://schemas.openxmlformats.org/officeDocument/2006/customXml" ds:itemID="{3A52E100-988B-4AD7-BEE7-143E221E4D56}">
-  <ds:schemaRefs>
-    <ds:schemaRef ds:uri="http://schemas.microsoft.com/office/2006/metadata/longProperties"/>
-  </ds:schemaRefs>
-</ds:datastoreItem>
-</file>
-
-<file path=customXml/itemProps2.xml><?xml version="1.0" encoding="utf-8"?>
-<ds:datastoreItem xmlns:ds="http://schemas.openxmlformats.org/officeDocument/2006/customXml" ds:itemID="{47AC431E-914B-41CD-8266-410056DEBF70}">
-  <ds:schemaRefs>
-    <ds:schemaRef ds:uri="http://schemas.microsoft.com/sharepoint/v3/contenttype/forms"/>
-  </ds:schemaRefs>
-</ds:datastoreItem>
-</file>
-
-<file path=customXml/itemProps3.xml><?xml version="1.0" encoding="utf-8"?>
 <ds:datastoreItem xmlns:ds="http://schemas.openxmlformats.org/officeDocument/2006/customXml" ds:itemID="{D3155E93-EBFB-4114-80A6-E3D454F8BEC6}">
   <ds:schemaRefs>
     <ds:schemaRef ds:uri="http://schemas.microsoft.com/office/2006/metadata/contentType"/>
@@ -17164,6 +17123,22 @@
 </ds:datastoreItem>
 </file>
 
+<file path=customXml/itemProps2.xml><?xml version="1.0" encoding="utf-8"?>
+<ds:datastoreItem xmlns:ds="http://schemas.openxmlformats.org/officeDocument/2006/customXml" ds:itemID="{47AC431E-914B-41CD-8266-410056DEBF70}">
+  <ds:schemaRefs>
+    <ds:schemaRef ds:uri="http://schemas.microsoft.com/sharepoint/v3/contenttype/forms"/>
+  </ds:schemaRefs>
+</ds:datastoreItem>
+</file>
+
+<file path=customXml/itemProps3.xml><?xml version="1.0" encoding="utf-8"?>
+<ds:datastoreItem xmlns:ds="http://schemas.openxmlformats.org/officeDocument/2006/customXml" ds:itemID="{3A52E100-988B-4AD7-BEE7-143E221E4D56}">
+  <ds:schemaRefs>
+    <ds:schemaRef ds:uri="http://schemas.microsoft.com/office/2006/metadata/longProperties"/>
+  </ds:schemaRefs>
+</ds:datastoreItem>
+</file>
+
 <file path=customXml/itemProps4.xml><?xml version="1.0" encoding="utf-8"?>
 <ds:datastoreItem xmlns:ds="http://schemas.openxmlformats.org/officeDocument/2006/customXml" ds:itemID="{436077F0-9306-4FEA-9E60-1A589A643FAE}">
   <ds:schemaRefs>
